--- a/tut1/ppt1.pptx
+++ b/tut1/ppt1.pptx
@@ -7,23 +7,24 @@
     <p:sldMasterId id="2147483684" r:id="rId6"/>
   </p:sldMasterIdLst>
   <p:notesMasterIdLst>
-    <p:notesMasterId r:id="rId21"/>
+    <p:notesMasterId r:id="rId22"/>
   </p:notesMasterIdLst>
   <p:sldIdLst>
     <p:sldId id="325" r:id="rId7"/>
     <p:sldId id="372" r:id="rId8"/>
     <p:sldId id="377" r:id="rId9"/>
-    <p:sldId id="292" r:id="rId10"/>
-    <p:sldId id="300" r:id="rId11"/>
-    <p:sldId id="298" r:id="rId12"/>
-    <p:sldId id="302" r:id="rId13"/>
-    <p:sldId id="301" r:id="rId14"/>
-    <p:sldId id="303" r:id="rId15"/>
-    <p:sldId id="304" r:id="rId16"/>
-    <p:sldId id="305" r:id="rId17"/>
-    <p:sldId id="306" r:id="rId18"/>
-    <p:sldId id="307" r:id="rId19"/>
-    <p:sldId id="376" r:id="rId20"/>
+    <p:sldId id="378" r:id="rId10"/>
+    <p:sldId id="292" r:id="rId11"/>
+    <p:sldId id="300" r:id="rId12"/>
+    <p:sldId id="298" r:id="rId13"/>
+    <p:sldId id="302" r:id="rId14"/>
+    <p:sldId id="301" r:id="rId15"/>
+    <p:sldId id="303" r:id="rId16"/>
+    <p:sldId id="304" r:id="rId17"/>
+    <p:sldId id="305" r:id="rId18"/>
+    <p:sldId id="306" r:id="rId19"/>
+    <p:sldId id="307" r:id="rId20"/>
+    <p:sldId id="376" r:id="rId21"/>
   </p:sldIdLst>
   <p:sldSz cx="12192000" cy="6858000"/>
   <p:notesSz cx="6858000" cy="9144000"/>
@@ -910,8 +911,8 @@
         <a:lstStyle/>
         <a:p>
           <a:r>
-            <a:rPr lang="en-CA" b="1" dirty="0"/>
-            <a:t>Ismael Ridha</a:t>
+            <a:rPr lang="en-US" dirty="0"/>
+            <a:t>Yanis Bennadji</a:t>
           </a:r>
           <a:endParaRPr lang="en-CA" dirty="0"/>
         </a:p>
@@ -987,18 +988,8 @@
         <a:lstStyle/>
         <a:p>
           <a:r>
-            <a:rPr lang="en-CA"/>
-            <a:t>Email: </a:t>
-          </a:r>
-          <a:r>
-            <a:rPr lang="en-CA">
-              <a:hlinkClick xmlns:r="http://schemas.openxmlformats.org/officeDocument/2006/relationships" r:id="rId1"/>
-            </a:rPr>
-            <a:t>ismaelmergasori@gmail.com</a:t>
-          </a:r>
-          <a:r>
-            <a:rPr lang="en-CA"/>
-            <a:t> </a:t>
+            <a:rPr lang="en-CA" dirty="0"/>
+            <a:t>Email: y_bennad@live.concordia.ca </a:t>
           </a:r>
         </a:p>
       </dgm:t>
@@ -1038,7 +1029,7 @@
           </a:r>
           <a:r>
             <a:rPr lang="en-CA" b="1" dirty="0"/>
-            <a:t>C++, JAVA, Python, and MATLAB</a:t>
+            <a:t>C++, JAVA, and MATLAB</a:t>
           </a:r>
           <a:endParaRPr lang="en-CA" dirty="0"/>
         </a:p>
@@ -1313,12 +1304,12 @@
         <a:fontRef idx="minor"/>
       </dsp:style>
       <dsp:txBody>
-        <a:bodyPr spcFirstLastPara="0" vert="horz" wrap="square" lIns="121920" tIns="121920" rIns="121920" bIns="121920" numCol="1" spcCol="1270" anchor="ctr" anchorCtr="0">
+        <a:bodyPr spcFirstLastPara="0" vert="horz" wrap="square" lIns="144780" tIns="144780" rIns="144780" bIns="144780" numCol="1" spcCol="1270" anchor="ctr" anchorCtr="0">
           <a:noAutofit/>
         </a:bodyPr>
         <a:lstStyle/>
         <a:p>
-          <a:pPr marL="0" lvl="0" indent="0" algn="ctr" defTabSz="1422400">
+          <a:pPr marL="0" lvl="0" indent="0" algn="ctr" defTabSz="1689100">
             <a:lnSpc>
               <a:spcPct val="90000"/>
             </a:lnSpc>
@@ -1331,10 +1322,10 @@
             <a:buNone/>
           </a:pPr>
           <a:r>
-            <a:rPr lang="en-CA" sz="3200" b="1" kern="1200" dirty="0"/>
-            <a:t>Ismael Ridha</a:t>
+            <a:rPr lang="en-US" sz="3800" kern="1200" dirty="0"/>
+            <a:t>Yanis Bennadji</a:t>
           </a:r>
-          <a:endParaRPr lang="en-CA" sz="3200" kern="1200" dirty="0"/>
+          <a:endParaRPr lang="en-CA" sz="3800" kern="1200" dirty="0"/>
         </a:p>
       </dsp:txBody>
       <dsp:txXfrm>
@@ -1444,12 +1435,12 @@
         <a:fontRef idx="minor"/>
       </dsp:style>
       <dsp:txBody>
-        <a:bodyPr spcFirstLastPara="0" vert="horz" wrap="square" lIns="121920" tIns="121920" rIns="121920" bIns="121920" numCol="1" spcCol="1270" anchor="ctr" anchorCtr="0">
+        <a:bodyPr spcFirstLastPara="0" vert="horz" wrap="square" lIns="144780" tIns="144780" rIns="144780" bIns="144780" numCol="1" spcCol="1270" anchor="ctr" anchorCtr="0">
           <a:noAutofit/>
         </a:bodyPr>
         <a:lstStyle/>
         <a:p>
-          <a:pPr marL="0" lvl="0" indent="0" algn="ctr" defTabSz="1422400">
+          <a:pPr marL="0" lvl="0" indent="0" algn="ctr" defTabSz="1689100">
             <a:lnSpc>
               <a:spcPct val="90000"/>
             </a:lnSpc>
@@ -1462,11 +1453,11 @@
             <a:buNone/>
           </a:pPr>
           <a:r>
-            <a:rPr lang="en-CA" sz="3200" b="1" kern="1200" dirty="0"/>
+            <a:rPr lang="en-CA" sz="3800" b="1" kern="1200" dirty="0"/>
             <a:t>Aerospace Engineering </a:t>
           </a:r>
           <a:r>
-            <a:rPr lang="en-CA" sz="3200" kern="1200" dirty="0"/>
+            <a:rPr lang="en-CA" sz="3800" kern="1200" dirty="0"/>
             <a:t>Student</a:t>
           </a:r>
         </a:p>
@@ -1578,12 +1569,12 @@
         <a:fontRef idx="minor"/>
       </dsp:style>
       <dsp:txBody>
-        <a:bodyPr spcFirstLastPara="0" vert="horz" wrap="square" lIns="121920" tIns="121920" rIns="121920" bIns="121920" numCol="1" spcCol="1270" anchor="ctr" anchorCtr="0">
+        <a:bodyPr spcFirstLastPara="0" vert="horz" wrap="square" lIns="144780" tIns="144780" rIns="144780" bIns="144780" numCol="1" spcCol="1270" anchor="ctr" anchorCtr="0">
           <a:noAutofit/>
         </a:bodyPr>
         <a:lstStyle/>
         <a:p>
-          <a:pPr marL="0" lvl="0" indent="0" algn="ctr" defTabSz="1422400">
+          <a:pPr marL="0" lvl="0" indent="0" algn="ctr" defTabSz="1689100">
             <a:lnSpc>
               <a:spcPct val="90000"/>
             </a:lnSpc>
@@ -1596,18 +1587,8 @@
             <a:buNone/>
           </a:pPr>
           <a:r>
-            <a:rPr lang="en-CA" sz="3200" kern="1200"/>
-            <a:t>Email: </a:t>
-          </a:r>
-          <a:r>
-            <a:rPr lang="en-CA" sz="3200" kern="1200">
-              <a:hlinkClick xmlns:r="http://schemas.openxmlformats.org/officeDocument/2006/relationships" r:id="rId1"/>
-            </a:rPr>
-            <a:t>ismaelmergasori@gmail.com</a:t>
-          </a:r>
-          <a:r>
-            <a:rPr lang="en-CA" sz="3200" kern="1200"/>
-            <a:t> </a:t>
+            <a:rPr lang="en-CA" sz="3800" kern="1200" dirty="0"/>
+            <a:t>Email: y_bennad@live.concordia.ca </a:t>
           </a:r>
         </a:p>
       </dsp:txBody>
@@ -1718,12 +1699,12 @@
         <a:fontRef idx="minor"/>
       </dsp:style>
       <dsp:txBody>
-        <a:bodyPr spcFirstLastPara="0" vert="horz" wrap="square" lIns="121920" tIns="121920" rIns="121920" bIns="121920" numCol="1" spcCol="1270" anchor="ctr" anchorCtr="0">
+        <a:bodyPr spcFirstLastPara="0" vert="horz" wrap="square" lIns="144780" tIns="144780" rIns="144780" bIns="144780" numCol="1" spcCol="1270" anchor="ctr" anchorCtr="0">
           <a:noAutofit/>
         </a:bodyPr>
         <a:lstStyle/>
         <a:p>
-          <a:pPr marL="0" lvl="0" indent="0" algn="ctr" defTabSz="1422400">
+          <a:pPr marL="0" lvl="0" indent="0" algn="ctr" defTabSz="1689100">
             <a:lnSpc>
               <a:spcPct val="90000"/>
             </a:lnSpc>
@@ -1736,14 +1717,14 @@
             <a:buNone/>
           </a:pPr>
           <a:r>
-            <a:rPr lang="en-CA" sz="3200" kern="1200" dirty="0"/>
+            <a:rPr lang="en-CA" sz="3800" kern="1200" dirty="0"/>
             <a:t>Familiar with: </a:t>
           </a:r>
           <a:r>
-            <a:rPr lang="en-CA" sz="3200" b="1" kern="1200" dirty="0"/>
-            <a:t>C++, JAVA, Python, and MATLAB</a:t>
+            <a:rPr lang="en-CA" sz="3800" b="1" kern="1200" dirty="0"/>
+            <a:t>C++, JAVA, and MATLAB</a:t>
           </a:r>
-          <a:endParaRPr lang="en-CA" sz="3200" kern="1200" dirty="0"/>
+          <a:endParaRPr lang="en-CA" sz="3800" kern="1200" dirty="0"/>
         </a:p>
       </dsp:txBody>
       <dsp:txXfrm>
@@ -5384,7 +5365,7 @@
           <a:p>
             <a:fld id="{4EB6DB6A-6082-4010-BD86-E42B1CE023FB}" type="datetimeFigureOut">
               <a:rPr lang="en-CA" smtClean="0"/>
-              <a:t>2023-01-19</a:t>
+              <a:t>2023-09-06</a:t>
             </a:fld>
             <a:endParaRPr lang="en-CA"/>
           </a:p>
@@ -5801,7 +5782,7 @@
           <a:p>
             <a:fld id="{98D5D043-346E-4000-927C-35B3C3FE6570}" type="slidenum">
               <a:rPr lang="en-CA" smtClean="0"/>
-              <a:t>14</a:t>
+              <a:t>15</a:t>
             </a:fld>
             <a:endParaRPr lang="en-CA"/>
           </a:p>
@@ -12962,7 +12943,7 @@
                 <a:ea typeface="Tahoma" panose="020B0604030504040204" pitchFamily="34" charset="0"/>
                 <a:cs typeface="Tahoma" panose="020B0604030504040204" pitchFamily="34" charset="0"/>
               </a:rPr>
-              <a:t>January 19</a:t>
+              <a:t>September 6</a:t>
             </a:r>
             <a:r>
               <a:rPr lang="en-CA" baseline="30000" dirty="0">
@@ -13048,7 +13029,7 @@
                 <a:latin typeface="Cambria" panose="02040503050406030204" pitchFamily="18" charset="0"/>
                 <a:ea typeface="Cambria" panose="02040503050406030204" pitchFamily="18" charset="0"/>
               </a:rPr>
-              <a:t>Functions</a:t>
+              <a:t>Arrays &amp; Strings</a:t>
             </a:r>
           </a:p>
         </p:txBody>
@@ -13058,7 +13039,7 @@
           <p:cNvPr id="5" name="Subtitle 4">
             <a:extLst>
               <a:ext uri="{FF2B5EF4-FFF2-40B4-BE49-F238E27FC236}">
-                <a16:creationId xmlns:a16="http://schemas.microsoft.com/office/drawing/2014/main" id="{DC68C34E-CEE9-9F65-4F7E-2C3A2FFEA714}"/>
+                <a16:creationId xmlns:a16="http://schemas.microsoft.com/office/drawing/2014/main" id="{3F54A0E2-1D28-2764-4CDC-0D1170052AD8}"/>
               </a:ext>
             </a:extLst>
           </p:cNvPr>
@@ -13083,8 +13064,13 @@
             </a:pPr>
             <a:r>
               <a:rPr lang="en-US" sz="2400" dirty="0"/>
-              <a:t>Definition of a function in arithmetic, f(x)</a:t>
-            </a:r>
+              <a:t>What are arrays and what do </a:t>
+            </a:r>
+            <a:r>
+              <a:rPr lang="en-US" sz="2400"/>
+              <a:t>they represent?</a:t>
+            </a:r>
+            <a:endParaRPr lang="en-US" sz="2400" dirty="0"/>
           </a:p>
           <a:p>
             <a:pPr marL="342900" indent="-342900">
@@ -13096,7 +13082,7 @@
             </a:pPr>
             <a:r>
               <a:rPr lang="en-US" sz="2400" dirty="0"/>
-              <a:t>What is a function in programming?</a:t>
+              <a:t>Array declaration and initialization</a:t>
             </a:r>
           </a:p>
           <a:p>
@@ -13109,7 +13095,7 @@
             </a:pPr>
             <a:r>
               <a:rPr lang="en-US" sz="2400" dirty="0"/>
-              <a:t>Characteristics of a function</a:t>
+              <a:t>How does an array look like?</a:t>
             </a:r>
           </a:p>
           <a:p>
@@ -13122,7 +13108,7 @@
             </a:pPr>
             <a:r>
               <a:rPr lang="en-US" sz="2400" dirty="0"/>
-              <a:t>Pass-by-Reference vs Pass-by-Value</a:t>
+              <a:t>INDEXING </a:t>
             </a:r>
           </a:p>
           <a:p>
@@ -13135,7 +13121,7 @@
             </a:pPr>
             <a:r>
               <a:rPr lang="en-US" sz="2400" dirty="0"/>
-              <a:t>When is a function executed?</a:t>
+              <a:t>Size vs length of an array</a:t>
             </a:r>
           </a:p>
           <a:p>
@@ -13148,7 +13134,7 @@
             </a:pPr>
             <a:r>
               <a:rPr lang="en-US" sz="2400" dirty="0"/>
-              <a:t>Prototypes and Function Overloading</a:t>
+              <a:t>What is a string and how does it look like?</a:t>
             </a:r>
           </a:p>
           <a:p>
@@ -13161,7 +13147,7 @@
             </a:pPr>
             <a:r>
               <a:rPr lang="en-US" sz="2400" dirty="0"/>
-              <a:t>Recursion (stack calls), Default Values, and Static Variables</a:t>
+              <a:t>How to do trimming using strings?</a:t>
             </a:r>
           </a:p>
           <a:p>
@@ -13172,7 +13158,20 @@
               <a:buFont typeface="Arial" panose="020B0604020202020204" pitchFamily="34" charset="0"/>
               <a:buChar char="•"/>
             </a:pPr>
-            <a:endParaRPr lang="en-CA" sz="2400" dirty="0"/>
+            <a:r>
+              <a:rPr lang="en-US" sz="2400" dirty="0"/>
+              <a:t>Multi-dimensional arrays?</a:t>
+            </a:r>
+          </a:p>
+          <a:p>
+            <a:pPr marL="342900" indent="-342900">
+              <a:lnSpc>
+                <a:spcPct val="150000"/>
+              </a:lnSpc>
+              <a:buFont typeface="Arial" panose="020B0604020202020204" pitchFamily="34" charset="0"/>
+              <a:buChar char="•"/>
+            </a:pPr>
+            <a:endParaRPr lang="en-CA" dirty="0"/>
           </a:p>
         </p:txBody>
       </p:sp>
@@ -13181,7 +13180,7 @@
           <p:cNvPr id="4" name="Slide Number Placeholder 3">
             <a:extLst>
               <a:ext uri="{FF2B5EF4-FFF2-40B4-BE49-F238E27FC236}">
-                <a16:creationId xmlns:a16="http://schemas.microsoft.com/office/drawing/2014/main" id="{9BB03FE2-A5D0-451C-FECE-60B799E952F0}"/>
+                <a16:creationId xmlns:a16="http://schemas.microsoft.com/office/drawing/2014/main" id="{21A530ED-7F74-F03F-4356-BC60C6AEDE6D}"/>
               </a:ext>
             </a:extLst>
           </p:cNvPr>
@@ -13208,7 +13207,7 @@
     </p:spTree>
     <p:extLst>
       <p:ext uri="{BB962C8B-B14F-4D97-AF65-F5344CB8AC3E}">
-        <p14:creationId xmlns:p14="http://schemas.microsoft.com/office/powerpoint/2010/main" val="2232168516"/>
+        <p14:creationId xmlns:p14="http://schemas.microsoft.com/office/powerpoint/2010/main" val="4279114738"/>
       </p:ext>
     </p:extLst>
   </p:cSld>
@@ -13264,7 +13263,7 @@
                 <a:latin typeface="Cambria" panose="02040503050406030204" pitchFamily="18" charset="0"/>
                 <a:ea typeface="Cambria" panose="02040503050406030204" pitchFamily="18" charset="0"/>
               </a:rPr>
-              <a:t>OOP</a:t>
+              <a:t>Functions</a:t>
             </a:r>
           </a:p>
         </p:txBody>
@@ -13274,7 +13273,7 @@
           <p:cNvPr id="5" name="Subtitle 4">
             <a:extLst>
               <a:ext uri="{FF2B5EF4-FFF2-40B4-BE49-F238E27FC236}">
-                <a16:creationId xmlns:a16="http://schemas.microsoft.com/office/drawing/2014/main" id="{93D92D1B-CD65-A4A5-A708-7BD97109AD9D}"/>
+                <a16:creationId xmlns:a16="http://schemas.microsoft.com/office/drawing/2014/main" id="{DC68C34E-CEE9-9F65-4F7E-2C3A2FFEA714}"/>
               </a:ext>
             </a:extLst>
           </p:cNvPr>
@@ -13299,7 +13298,7 @@
             </a:pPr>
             <a:r>
               <a:rPr lang="en-US" sz="2400" dirty="0"/>
-              <a:t>What is Object Oriented Programming?</a:t>
+              <a:t>Definition of a function in arithmetic, f(x)</a:t>
             </a:r>
           </a:p>
           <a:p>
@@ -13312,7 +13311,7 @@
             </a:pPr>
             <a:r>
               <a:rPr lang="en-US" sz="2400" dirty="0"/>
-              <a:t>What does this signify in programming practices?</a:t>
+              <a:t>What is a function in programming?</a:t>
             </a:r>
           </a:p>
           <a:p>
@@ -13325,7 +13324,7 @@
             </a:pPr>
             <a:r>
               <a:rPr lang="en-US" sz="2400" dirty="0"/>
-              <a:t>Object Oriented Programming vs Procedural Programming</a:t>
+              <a:t>Characteristics of a function</a:t>
             </a:r>
           </a:p>
           <a:p>
@@ -13338,7 +13337,7 @@
             </a:pPr>
             <a:r>
               <a:rPr lang="en-US" sz="2400" dirty="0"/>
-              <a:t>Advantages of OOP</a:t>
+              <a:t>Pass-by-Reference vs Pass-by-Value</a:t>
             </a:r>
           </a:p>
           <a:p>
@@ -13351,7 +13350,7 @@
             </a:pPr>
             <a:r>
               <a:rPr lang="en-US" sz="2400" dirty="0"/>
-              <a:t>Classes and Objects</a:t>
+              <a:t>When is a function executed?</a:t>
             </a:r>
           </a:p>
           <a:p>
@@ -13364,7 +13363,7 @@
             </a:pPr>
             <a:r>
               <a:rPr lang="en-US" sz="2400" dirty="0"/>
-              <a:t>Attributes, Methods, Constructors, Destructors, and Encapsulation</a:t>
+              <a:t>Prototypes and Function Overloading</a:t>
             </a:r>
           </a:p>
           <a:p>
@@ -13377,7 +13376,7 @@
             </a:pPr>
             <a:r>
               <a:rPr lang="en-US" sz="2400" dirty="0"/>
-              <a:t>Use of objects in functions</a:t>
+              <a:t>Recursion (stack calls), Default Values, and Static Variables</a:t>
             </a:r>
           </a:p>
           <a:p>
@@ -13397,7 +13396,7 @@
           <p:cNvPr id="4" name="Slide Number Placeholder 3">
             <a:extLst>
               <a:ext uri="{FF2B5EF4-FFF2-40B4-BE49-F238E27FC236}">
-                <a16:creationId xmlns:a16="http://schemas.microsoft.com/office/drawing/2014/main" id="{58DE8C55-8CAE-5E6B-E86E-CA03F0BD33B4}"/>
+                <a16:creationId xmlns:a16="http://schemas.microsoft.com/office/drawing/2014/main" id="{9BB03FE2-A5D0-451C-FECE-60B799E952F0}"/>
               </a:ext>
             </a:extLst>
           </p:cNvPr>
@@ -13424,7 +13423,7 @@
     </p:spTree>
     <p:extLst>
       <p:ext uri="{BB962C8B-B14F-4D97-AF65-F5344CB8AC3E}">
-        <p14:creationId xmlns:p14="http://schemas.microsoft.com/office/powerpoint/2010/main" val="824314401"/>
+        <p14:creationId xmlns:p14="http://schemas.microsoft.com/office/powerpoint/2010/main" val="2232168516"/>
       </p:ext>
     </p:extLst>
   </p:cSld>
@@ -13480,7 +13479,7 @@
                 <a:latin typeface="Cambria" panose="02040503050406030204" pitchFamily="18" charset="0"/>
                 <a:ea typeface="Cambria" panose="02040503050406030204" pitchFamily="18" charset="0"/>
               </a:rPr>
-              <a:t>Pointers</a:t>
+              <a:t>OOP</a:t>
             </a:r>
           </a:p>
         </p:txBody>
@@ -13490,7 +13489,7 @@
           <p:cNvPr id="5" name="Subtitle 4">
             <a:extLst>
               <a:ext uri="{FF2B5EF4-FFF2-40B4-BE49-F238E27FC236}">
-                <a16:creationId xmlns:a16="http://schemas.microsoft.com/office/drawing/2014/main" id="{7B21A43A-4712-B881-478F-92052E4FE20B}"/>
+                <a16:creationId xmlns:a16="http://schemas.microsoft.com/office/drawing/2014/main" id="{93D92D1B-CD65-A4A5-A708-7BD97109AD9D}"/>
               </a:ext>
             </a:extLst>
           </p:cNvPr>
@@ -13508,116 +13507,98 @@
           <a:p>
             <a:pPr marL="342900" indent="-342900">
               <a:lnSpc>
-                <a:spcPct val="100000"/>
+                <a:spcPct val="150000"/>
               </a:lnSpc>
               <a:buFont typeface="Arial" panose="020B0604020202020204" pitchFamily="34" charset="0"/>
               <a:buChar char="•"/>
             </a:pPr>
             <a:r>
               <a:rPr lang="en-US" sz="2400" dirty="0"/>
-              <a:t>Dynamic vs Static memory</a:t>
+              <a:t>What is Object Oriented Programming?</a:t>
             </a:r>
           </a:p>
           <a:p>
             <a:pPr marL="342900" indent="-342900">
               <a:lnSpc>
-                <a:spcPct val="100000"/>
+                <a:spcPct val="150000"/>
               </a:lnSpc>
               <a:buFont typeface="Arial" panose="020B0604020202020204" pitchFamily="34" charset="0"/>
               <a:buChar char="•"/>
             </a:pPr>
             <a:r>
               <a:rPr lang="en-US" sz="2400" dirty="0"/>
-              <a:t>What are pointers?</a:t>
+              <a:t>What does this signify in programming practices?</a:t>
             </a:r>
           </a:p>
           <a:p>
             <a:pPr marL="342900" indent="-342900">
               <a:lnSpc>
-                <a:spcPct val="100000"/>
+                <a:spcPct val="150000"/>
               </a:lnSpc>
               <a:buFont typeface="Arial" panose="020B0604020202020204" pitchFamily="34" charset="0"/>
               <a:buChar char="•"/>
             </a:pPr>
             <a:r>
               <a:rPr lang="en-US" sz="2400" dirty="0"/>
-              <a:t>What is stored inside a pointer variable and why do we need to give datatype?</a:t>
+              <a:t>Object Oriented Programming vs Procedural Programming</a:t>
             </a:r>
           </a:p>
           <a:p>
             <a:pPr marL="342900" indent="-342900">
               <a:lnSpc>
-                <a:spcPct val="100000"/>
+                <a:spcPct val="150000"/>
               </a:lnSpc>
               <a:buFont typeface="Arial" panose="020B0604020202020204" pitchFamily="34" charset="0"/>
               <a:buChar char="•"/>
             </a:pPr>
             <a:r>
               <a:rPr lang="en-US" sz="2400" dirty="0"/>
-              <a:t>Pointer declaration and initialization </a:t>
+              <a:t>Advantages of OOP</a:t>
             </a:r>
           </a:p>
           <a:p>
             <a:pPr marL="342900" indent="-342900">
               <a:lnSpc>
-                <a:spcPct val="100000"/>
+                <a:spcPct val="150000"/>
               </a:lnSpc>
               <a:buFont typeface="Arial" panose="020B0604020202020204" pitchFamily="34" charset="0"/>
               <a:buChar char="•"/>
             </a:pPr>
             <a:r>
               <a:rPr lang="en-US" sz="2400" dirty="0"/>
-              <a:t>Deference operator</a:t>
+              <a:t>Classes and Objects</a:t>
             </a:r>
           </a:p>
           <a:p>
             <a:pPr marL="342900" indent="-342900">
               <a:lnSpc>
-                <a:spcPct val="100000"/>
+                <a:spcPct val="150000"/>
               </a:lnSpc>
               <a:buFont typeface="Arial" panose="020B0604020202020204" pitchFamily="34" charset="0"/>
               <a:buChar char="•"/>
             </a:pPr>
             <a:r>
               <a:rPr lang="en-US" sz="2400" dirty="0"/>
-              <a:t>NULL and </a:t>
-            </a:r>
-            <a:r>
-              <a:rPr lang="en-US" sz="2400" dirty="0" err="1"/>
-              <a:t>nullptr</a:t>
-            </a:r>
-            <a:endParaRPr lang="en-US" sz="2400" dirty="0"/>
+              <a:t>Attributes, Methods, Constructors, Destructors, and Encapsulation</a:t>
+            </a:r>
           </a:p>
           <a:p>
             <a:pPr marL="342900" indent="-342900">
               <a:lnSpc>
-                <a:spcPct val="100000"/>
+                <a:spcPct val="150000"/>
               </a:lnSpc>
               <a:buFont typeface="Arial" panose="020B0604020202020204" pitchFamily="34" charset="0"/>
               <a:buChar char="•"/>
             </a:pPr>
             <a:r>
               <a:rPr lang="en-US" sz="2400" dirty="0"/>
-              <a:t>‘new’ and ‘delete’ keywords </a:t>
+              <a:t>Use of objects in functions</a:t>
             </a:r>
           </a:p>
           <a:p>
             <a:pPr marL="342900" indent="-342900">
               <a:lnSpc>
-                <a:spcPct val="100000"/>
-              </a:lnSpc>
-              <a:buFont typeface="Arial" panose="020B0604020202020204" pitchFamily="34" charset="0"/>
-              <a:buChar char="•"/>
-            </a:pPr>
-            <a:r>
-              <a:rPr lang="en-US" sz="2400" dirty="0"/>
-              <a:t>Use of pointers in a Single Linked List example </a:t>
-            </a:r>
-          </a:p>
-          <a:p>
-            <a:pPr marL="342900" indent="-342900">
-              <a:lnSpc>
-                <a:spcPct val="100000"/>
+                <a:spcPct val="150000"/>
               </a:lnSpc>
               <a:buFont typeface="Arial" panose="020B0604020202020204" pitchFamily="34" charset="0"/>
               <a:buChar char="•"/>
@@ -13631,7 +13612,7 @@
           <p:cNvPr id="4" name="Slide Number Placeholder 3">
             <a:extLst>
               <a:ext uri="{FF2B5EF4-FFF2-40B4-BE49-F238E27FC236}">
-                <a16:creationId xmlns:a16="http://schemas.microsoft.com/office/drawing/2014/main" id="{8F405D39-5163-95F7-0787-F6C513555F70}"/>
+                <a16:creationId xmlns:a16="http://schemas.microsoft.com/office/drawing/2014/main" id="{58DE8C55-8CAE-5E6B-E86E-CA03F0BD33B4}"/>
               </a:ext>
             </a:extLst>
           </p:cNvPr>
@@ -13658,7 +13639,7 @@
     </p:spTree>
     <p:extLst>
       <p:ext uri="{BB962C8B-B14F-4D97-AF65-F5344CB8AC3E}">
-        <p14:creationId xmlns:p14="http://schemas.microsoft.com/office/powerpoint/2010/main" val="589793061"/>
+        <p14:creationId xmlns:p14="http://schemas.microsoft.com/office/powerpoint/2010/main" val="824314401"/>
       </p:ext>
     </p:extLst>
   </p:cSld>
@@ -13714,6 +13695,240 @@
                 <a:latin typeface="Cambria" panose="02040503050406030204" pitchFamily="18" charset="0"/>
                 <a:ea typeface="Cambria" panose="02040503050406030204" pitchFamily="18" charset="0"/>
               </a:rPr>
+              <a:t>Pointers</a:t>
+            </a:r>
+          </a:p>
+        </p:txBody>
+      </p:sp>
+      <p:sp>
+        <p:nvSpPr>
+          <p:cNvPr id="5" name="Subtitle 4">
+            <a:extLst>
+              <a:ext uri="{FF2B5EF4-FFF2-40B4-BE49-F238E27FC236}">
+                <a16:creationId xmlns:a16="http://schemas.microsoft.com/office/drawing/2014/main" id="{7B21A43A-4712-B881-478F-92052E4FE20B}"/>
+              </a:ext>
+            </a:extLst>
+          </p:cNvPr>
+          <p:cNvSpPr>
+            <a:spLocks noGrp="1"/>
+          </p:cNvSpPr>
+          <p:nvPr>
+            <p:ph type="subTitle" idx="1"/>
+          </p:nvPr>
+        </p:nvSpPr>
+        <p:spPr/>
+        <p:txBody>
+          <a:bodyPr/>
+          <a:lstStyle/>
+          <a:p>
+            <a:pPr marL="342900" indent="-342900">
+              <a:lnSpc>
+                <a:spcPct val="100000"/>
+              </a:lnSpc>
+              <a:buFont typeface="Arial" panose="020B0604020202020204" pitchFamily="34" charset="0"/>
+              <a:buChar char="•"/>
+            </a:pPr>
+            <a:r>
+              <a:rPr lang="en-US" sz="2400" dirty="0"/>
+              <a:t>Dynamic vs Static memory</a:t>
+            </a:r>
+          </a:p>
+          <a:p>
+            <a:pPr marL="342900" indent="-342900">
+              <a:lnSpc>
+                <a:spcPct val="100000"/>
+              </a:lnSpc>
+              <a:buFont typeface="Arial" panose="020B0604020202020204" pitchFamily="34" charset="0"/>
+              <a:buChar char="•"/>
+            </a:pPr>
+            <a:r>
+              <a:rPr lang="en-US" sz="2400" dirty="0"/>
+              <a:t>What are pointers?</a:t>
+            </a:r>
+          </a:p>
+          <a:p>
+            <a:pPr marL="342900" indent="-342900">
+              <a:lnSpc>
+                <a:spcPct val="100000"/>
+              </a:lnSpc>
+              <a:buFont typeface="Arial" panose="020B0604020202020204" pitchFamily="34" charset="0"/>
+              <a:buChar char="•"/>
+            </a:pPr>
+            <a:r>
+              <a:rPr lang="en-US" sz="2400" dirty="0"/>
+              <a:t>What is stored inside a pointer variable and why do we need to give datatype?</a:t>
+            </a:r>
+          </a:p>
+          <a:p>
+            <a:pPr marL="342900" indent="-342900">
+              <a:lnSpc>
+                <a:spcPct val="100000"/>
+              </a:lnSpc>
+              <a:buFont typeface="Arial" panose="020B0604020202020204" pitchFamily="34" charset="0"/>
+              <a:buChar char="•"/>
+            </a:pPr>
+            <a:r>
+              <a:rPr lang="en-US" sz="2400" dirty="0"/>
+              <a:t>Pointer declaration and initialization </a:t>
+            </a:r>
+          </a:p>
+          <a:p>
+            <a:pPr marL="342900" indent="-342900">
+              <a:lnSpc>
+                <a:spcPct val="100000"/>
+              </a:lnSpc>
+              <a:buFont typeface="Arial" panose="020B0604020202020204" pitchFamily="34" charset="0"/>
+              <a:buChar char="•"/>
+            </a:pPr>
+            <a:r>
+              <a:rPr lang="en-US" sz="2400" dirty="0"/>
+              <a:t>Deference operator</a:t>
+            </a:r>
+          </a:p>
+          <a:p>
+            <a:pPr marL="342900" indent="-342900">
+              <a:lnSpc>
+                <a:spcPct val="100000"/>
+              </a:lnSpc>
+              <a:buFont typeface="Arial" panose="020B0604020202020204" pitchFamily="34" charset="0"/>
+              <a:buChar char="•"/>
+            </a:pPr>
+            <a:r>
+              <a:rPr lang="en-US" sz="2400" dirty="0"/>
+              <a:t>NULL and </a:t>
+            </a:r>
+            <a:r>
+              <a:rPr lang="en-US" sz="2400" dirty="0" err="1"/>
+              <a:t>nullptr</a:t>
+            </a:r>
+            <a:endParaRPr lang="en-US" sz="2400" dirty="0"/>
+          </a:p>
+          <a:p>
+            <a:pPr marL="342900" indent="-342900">
+              <a:lnSpc>
+                <a:spcPct val="100000"/>
+              </a:lnSpc>
+              <a:buFont typeface="Arial" panose="020B0604020202020204" pitchFamily="34" charset="0"/>
+              <a:buChar char="•"/>
+            </a:pPr>
+            <a:r>
+              <a:rPr lang="en-US" sz="2400" dirty="0"/>
+              <a:t>‘new’ and ‘delete’ keywords </a:t>
+            </a:r>
+          </a:p>
+          <a:p>
+            <a:pPr marL="342900" indent="-342900">
+              <a:lnSpc>
+                <a:spcPct val="100000"/>
+              </a:lnSpc>
+              <a:buFont typeface="Arial" panose="020B0604020202020204" pitchFamily="34" charset="0"/>
+              <a:buChar char="•"/>
+            </a:pPr>
+            <a:r>
+              <a:rPr lang="en-US" sz="2400" dirty="0"/>
+              <a:t>Use of pointers in a Single Linked List example </a:t>
+            </a:r>
+          </a:p>
+          <a:p>
+            <a:pPr marL="342900" indent="-342900">
+              <a:lnSpc>
+                <a:spcPct val="100000"/>
+              </a:lnSpc>
+              <a:buFont typeface="Arial" panose="020B0604020202020204" pitchFamily="34" charset="0"/>
+              <a:buChar char="•"/>
+            </a:pPr>
+            <a:endParaRPr lang="en-CA" sz="2400" dirty="0"/>
+          </a:p>
+        </p:txBody>
+      </p:sp>
+      <p:sp>
+        <p:nvSpPr>
+          <p:cNvPr id="4" name="Slide Number Placeholder 3">
+            <a:extLst>
+              <a:ext uri="{FF2B5EF4-FFF2-40B4-BE49-F238E27FC236}">
+                <a16:creationId xmlns:a16="http://schemas.microsoft.com/office/drawing/2014/main" id="{8F405D39-5163-95F7-0787-F6C513555F70}"/>
+              </a:ext>
+            </a:extLst>
+          </p:cNvPr>
+          <p:cNvSpPr>
+            <a:spLocks noGrp="1"/>
+          </p:cNvSpPr>
+          <p:nvPr>
+            <p:ph type="sldNum" sz="quarter" idx="12"/>
+          </p:nvPr>
+        </p:nvSpPr>
+        <p:spPr/>
+        <p:txBody>
+          <a:bodyPr/>
+          <a:lstStyle/>
+          <a:p>
+            <a:fld id="{6D22F896-40B5-4ADD-8801-0D06FADFA095}" type="slidenum">
+              <a:rPr lang="en-US" smtClean="0"/>
+              <a:t>13</a:t>
+            </a:fld>
+            <a:endParaRPr lang="en-US" dirty="0"/>
+          </a:p>
+        </p:txBody>
+      </p:sp>
+    </p:spTree>
+    <p:extLst>
+      <p:ext uri="{BB962C8B-B14F-4D97-AF65-F5344CB8AC3E}">
+        <p14:creationId xmlns:p14="http://schemas.microsoft.com/office/powerpoint/2010/main" val="589793061"/>
+      </p:ext>
+    </p:extLst>
+  </p:cSld>
+  <p:clrMapOvr>
+    <a:masterClrMapping/>
+  </p:clrMapOvr>
+</p:sld>
+</file>
+
+<file path=ppt/slides/slide14.xml><?xml version="1.0" encoding="utf-8"?>
+<p:sld xmlns:a="http://schemas.openxmlformats.org/drawingml/2006/main" xmlns:r="http://schemas.openxmlformats.org/officeDocument/2006/relationships" xmlns:p="http://schemas.openxmlformats.org/presentationml/2006/main">
+  <p:cSld>
+    <p:spTree>
+      <p:nvGrpSpPr>
+        <p:cNvPr id="1" name=""/>
+        <p:cNvGrpSpPr/>
+        <p:nvPr/>
+      </p:nvGrpSpPr>
+      <p:grpSpPr>
+        <a:xfrm>
+          <a:off x="0" y="0"/>
+          <a:ext cx="0" cy="0"/>
+          <a:chOff x="0" y="0"/>
+          <a:chExt cx="0" cy="0"/>
+        </a:xfrm>
+      </p:grpSpPr>
+      <p:sp>
+        <p:nvSpPr>
+          <p:cNvPr id="2" name="Title 1">
+            <a:extLst>
+              <a:ext uri="{FF2B5EF4-FFF2-40B4-BE49-F238E27FC236}">
+                <a16:creationId xmlns:a16="http://schemas.microsoft.com/office/drawing/2014/main" id="{EEC6951E-5C8C-8E5A-054D-36C2D397CE17}"/>
+              </a:ext>
+            </a:extLst>
+          </p:cNvPr>
+          <p:cNvSpPr>
+            <a:spLocks noGrp="1"/>
+          </p:cNvSpPr>
+          <p:nvPr>
+            <p:ph type="ctrTitle"/>
+          </p:nvPr>
+        </p:nvSpPr>
+        <p:spPr/>
+        <p:txBody>
+          <a:bodyPr>
+            <a:normAutofit/>
+          </a:bodyPr>
+          <a:lstStyle/>
+          <a:p>
+            <a:pPr algn="ctr"/>
+            <a:r>
+              <a:rPr lang="en-CA" sz="4000" b="1" cap="none" dirty="0">
+                <a:latin typeface="Cambria" panose="02040503050406030204" pitchFamily="18" charset="0"/>
+                <a:ea typeface="Cambria" panose="02040503050406030204" pitchFamily="18" charset="0"/>
+              </a:rPr>
               <a:t>Exception Handling</a:t>
             </a:r>
           </a:p>
@@ -13839,7 +14054,7 @@
           <a:p>
             <a:fld id="{6D22F896-40B5-4ADD-8801-0D06FADFA095}" type="slidenum">
               <a:rPr lang="en-US" smtClean="0"/>
-              <a:t>13</a:t>
+              <a:t>14</a:t>
             </a:fld>
             <a:endParaRPr lang="en-US" dirty="0"/>
           </a:p>
@@ -13858,7 +14073,7 @@
 </p:sld>
 </file>
 
-<file path=ppt/slides/slide14.xml><?xml version="1.0" encoding="utf-8"?>
+<file path=ppt/slides/slide15.xml><?xml version="1.0" encoding="utf-8"?>
 <p:sld xmlns:a="http://schemas.openxmlformats.org/drawingml/2006/main" xmlns:r="http://schemas.openxmlformats.org/officeDocument/2006/relationships" xmlns:p="http://schemas.openxmlformats.org/presentationml/2006/main">
   <p:cSld>
     <p:bg>
@@ -14520,7 +14735,7 @@
                   <a:spcPts val="600"/>
                 </a:spcAft>
               </a:pPr>
-              <a:t>14</a:t>
+              <a:t>15</a:t>
             </a:fld>
             <a:endParaRPr lang="en-US" b="1">
               <a:solidFill>
@@ -14607,7 +14822,7 @@
             <p:ph idx="1"/>
             <p:extLst>
               <p:ext uri="{D42A27DB-BD31-4B8C-83A1-F6EECF244321}">
-                <p14:modId xmlns:p14="http://schemas.microsoft.com/office/powerpoint/2010/main" val="214557031"/>
+                <p14:modId xmlns:p14="http://schemas.microsoft.com/office/powerpoint/2010/main" val="1563809090"/>
               </p:ext>
             </p:extLst>
           </p:nvPr>
@@ -14846,7 +15061,7 @@
             </a:pPr>
             <a:r>
               <a:rPr lang="en-CA" dirty="0"/>
-              <a:t>POINTERs EVERYWHERE XD</a:t>
+              <a:t>POINTERs EVERYWHERE</a:t>
             </a:r>
           </a:p>
           <a:p>
@@ -14890,22 +15105,17 @@
               <a:buNone/>
             </a:pPr>
             <a:r>
+              <a:rPr lang="en-CA" b="1" dirty="0" err="1"/>
+              <a:t>Github</a:t>
+            </a:r>
+            <a:r>
               <a:rPr lang="en-CA" b="1" dirty="0"/>
-              <a:t>GitHub: </a:t>
-            </a:r>
-            <a:r>
-              <a:rPr lang="en-CA" dirty="0">
-                <a:hlinkClick r:id="rId2"/>
-              </a:rPr>
-              <a:t>https://github.com/TheBarzani/COEN244_W2023</a:t>
-            </a:r>
-            <a:r>
-              <a:rPr lang="en-CA" b="1" dirty="0"/>
-              <a:t> </a:t>
-            </a:r>
-          </a:p>
-          <a:p>
-            <a:endParaRPr lang="en-CA" dirty="0"/>
+              <a:t>: </a:t>
+            </a:r>
+            <a:r>
+              <a:rPr lang="en-CA" dirty="0"/>
+              <a:t>Coming Soon!</a:t>
+            </a:r>
           </a:p>
           <a:p>
             <a:pPr marL="0" indent="0">
@@ -14980,7 +15190,7 @@
           <p:cNvPr id="2" name="Title 1">
             <a:extLst>
               <a:ext uri="{FF2B5EF4-FFF2-40B4-BE49-F238E27FC236}">
-                <a16:creationId xmlns:a16="http://schemas.microsoft.com/office/drawing/2014/main" id="{EEC6951E-5C8C-8E5A-054D-36C2D397CE17}"/>
+                <a16:creationId xmlns:a16="http://schemas.microsoft.com/office/drawing/2014/main" id="{C45EC075-6BEE-66FF-F7AB-B035E5024B8C}"/>
               </a:ext>
             </a:extLst>
           </p:cNvPr>
@@ -14988,167 +15198,27 @@
             <a:spLocks noGrp="1"/>
           </p:cNvSpPr>
           <p:nvPr>
-            <p:ph type="ctrTitle"/>
+            <p:ph type="title"/>
           </p:nvPr>
         </p:nvSpPr>
         <p:spPr/>
         <p:txBody>
-          <a:bodyPr>
-            <a:normAutofit/>
-          </a:bodyPr>
+          <a:bodyPr/>
           <a:lstStyle/>
           <a:p>
-            <a:pPr algn="ctr"/>
-            <a:r>
-              <a:rPr lang="en-CA" sz="4000" b="1" cap="none" dirty="0">
-                <a:latin typeface="Cambria" panose="02040503050406030204" pitchFamily="18" charset="0"/>
-                <a:ea typeface="Cambria" panose="02040503050406030204" pitchFamily="18" charset="0"/>
-              </a:rPr>
-              <a:t>REVIEW</a:t>
+            <a:r>
+              <a:rPr lang="en-CA" dirty="0"/>
+              <a:t>Setting up your IDE + Hello World</a:t>
             </a:r>
           </a:p>
         </p:txBody>
       </p:sp>
       <p:sp>
         <p:nvSpPr>
-          <p:cNvPr id="3" name="Content Placeholder 2">
+          <p:cNvPr id="5" name="Slide Number Placeholder 4">
             <a:extLst>
               <a:ext uri="{FF2B5EF4-FFF2-40B4-BE49-F238E27FC236}">
-                <a16:creationId xmlns:a16="http://schemas.microsoft.com/office/drawing/2014/main" id="{B39527D7-E1E3-2A65-95D5-80844C73385F}"/>
-              </a:ext>
-            </a:extLst>
-          </p:cNvPr>
-          <p:cNvSpPr>
-            <a:spLocks noGrp="1"/>
-          </p:cNvSpPr>
-          <p:nvPr>
-            <p:ph type="subTitle" idx="1"/>
-          </p:nvPr>
-        </p:nvSpPr>
-        <p:spPr/>
-        <p:txBody>
-          <a:bodyPr>
-            <a:normAutofit/>
-          </a:bodyPr>
-          <a:lstStyle/>
-          <a:p>
-            <a:pPr marL="342900" indent="-342900">
-              <a:lnSpc>
-                <a:spcPct val="150000"/>
-              </a:lnSpc>
-              <a:buFont typeface="Arial" panose="020B0604020202020204" pitchFamily="34" charset="0"/>
-              <a:buChar char="•"/>
-            </a:pPr>
-            <a:r>
-              <a:rPr lang="en-CA" dirty="0"/>
-              <a:t>SETTING UP C++ ENVIRONMENT &amp; C++ SYNTAX</a:t>
-            </a:r>
-          </a:p>
-          <a:p>
-            <a:pPr marL="342900" indent="-342900">
-              <a:lnSpc>
-                <a:spcPct val="150000"/>
-              </a:lnSpc>
-              <a:buFont typeface="Arial" panose="020B0604020202020204" pitchFamily="34" charset="0"/>
-              <a:buChar char="•"/>
-            </a:pPr>
-            <a:r>
-              <a:rPr lang="en-CA" dirty="0"/>
-              <a:t>VARIABLES, DATA TYPES, OPERATORS, EXPRESSIONS, LOOPS, &amp; CONDITIONALS</a:t>
-            </a:r>
-          </a:p>
-          <a:p>
-            <a:pPr marL="342900" indent="-342900">
-              <a:lnSpc>
-                <a:spcPct val="150000"/>
-              </a:lnSpc>
-              <a:buFont typeface="Arial" panose="020B0604020202020204" pitchFamily="34" charset="0"/>
-              <a:buChar char="•"/>
-            </a:pPr>
-            <a:r>
-              <a:rPr lang="en-CA" dirty="0"/>
-              <a:t>INPUT &amp; OUTPUT USAGE </a:t>
-            </a:r>
-          </a:p>
-          <a:p>
-            <a:pPr marL="342900" indent="-342900">
-              <a:lnSpc>
-                <a:spcPct val="150000"/>
-              </a:lnSpc>
-              <a:buFont typeface="Arial" panose="020B0604020202020204" pitchFamily="34" charset="0"/>
-              <a:buChar char="•"/>
-            </a:pPr>
-            <a:r>
-              <a:rPr lang="en-CA" dirty="0"/>
-              <a:t>ARRAYS &amp; THE STRING LIBRARY</a:t>
-            </a:r>
-          </a:p>
-          <a:p>
-            <a:pPr marL="342900" indent="-342900">
-              <a:lnSpc>
-                <a:spcPct val="150000"/>
-              </a:lnSpc>
-              <a:buFont typeface="Arial" panose="020B0604020202020204" pitchFamily="34" charset="0"/>
-              <a:buChar char="•"/>
-            </a:pPr>
-            <a:r>
-              <a:rPr lang="en-CA" dirty="0"/>
-              <a:t>C++ FUNCTIONS</a:t>
-            </a:r>
-          </a:p>
-          <a:p>
-            <a:pPr marL="342900" indent="-342900">
-              <a:lnSpc>
-                <a:spcPct val="150000"/>
-              </a:lnSpc>
-              <a:buFont typeface="Arial" panose="020B0604020202020204" pitchFamily="34" charset="0"/>
-              <a:buChar char="•"/>
-            </a:pPr>
-            <a:r>
-              <a:rPr lang="en-CA" dirty="0"/>
-              <a:t>OBJECT-ORIENTED PROGRAMMING</a:t>
-            </a:r>
-          </a:p>
-          <a:p>
-            <a:pPr marL="342900" indent="-342900">
-              <a:lnSpc>
-                <a:spcPct val="150000"/>
-              </a:lnSpc>
-              <a:buFont typeface="Arial" panose="020B0604020202020204" pitchFamily="34" charset="0"/>
-              <a:buChar char="•"/>
-            </a:pPr>
-            <a:r>
-              <a:rPr lang="en-CA" dirty="0"/>
-              <a:t>DYNAMIC MEMORY &amp; POINTERS</a:t>
-            </a:r>
-          </a:p>
-          <a:p>
-            <a:pPr marL="342900" indent="-342900">
-              <a:lnSpc>
-                <a:spcPct val="150000"/>
-              </a:lnSpc>
-              <a:buFont typeface="Arial" panose="020B0604020202020204" pitchFamily="34" charset="0"/>
-              <a:buChar char="•"/>
-            </a:pPr>
-            <a:r>
-              <a:rPr lang="en-CA" dirty="0"/>
-              <a:t>EXCEPTION HANDLING</a:t>
-            </a:r>
-          </a:p>
-          <a:p>
-            <a:endParaRPr lang="en-CA" dirty="0"/>
-          </a:p>
-          <a:p>
-            <a:endParaRPr lang="en-CA" dirty="0"/>
-          </a:p>
-        </p:txBody>
-      </p:sp>
-      <p:sp>
-        <p:nvSpPr>
-          <p:cNvPr id="4" name="Slide Number Placeholder 3">
-            <a:extLst>
-              <a:ext uri="{FF2B5EF4-FFF2-40B4-BE49-F238E27FC236}">
-                <a16:creationId xmlns:a16="http://schemas.microsoft.com/office/drawing/2014/main" id="{7D81F86D-54E4-DB92-7681-A26EE738F2EB}"/>
+                <a16:creationId xmlns:a16="http://schemas.microsoft.com/office/drawing/2014/main" id="{3AA42742-9EF8-F53E-D1E9-BAA087B3387F}"/>
               </a:ext>
             </a:extLst>
           </p:cNvPr>
@@ -15173,10 +15243,163 @@
           </a:p>
         </p:txBody>
       </p:sp>
+      <p:sp>
+        <p:nvSpPr>
+          <p:cNvPr id="7" name="TextBox 6">
+            <a:extLst>
+              <a:ext uri="{FF2B5EF4-FFF2-40B4-BE49-F238E27FC236}">
+                <a16:creationId xmlns:a16="http://schemas.microsoft.com/office/drawing/2014/main" id="{76FE7DA8-F8C6-8463-F0E1-6ECAAA668971}"/>
+              </a:ext>
+            </a:extLst>
+          </p:cNvPr>
+          <p:cNvSpPr txBox="1"/>
+          <p:nvPr/>
+        </p:nvSpPr>
+        <p:spPr>
+          <a:xfrm>
+            <a:off x="532659" y="941034"/>
+            <a:ext cx="10413507" cy="5262979"/>
+          </a:xfrm>
+          <a:prstGeom prst="rect">
+            <a:avLst/>
+          </a:prstGeom>
+          <a:noFill/>
+        </p:spPr>
+        <p:txBody>
+          <a:bodyPr wrap="square" rtlCol="0">
+            <a:spAutoFit/>
+          </a:bodyPr>
+          <a:lstStyle/>
+          <a:p>
+            <a:r>
+              <a:rPr lang="en-CA" sz="2800" dirty="0"/>
+              <a:t>DEMO (</a:t>
+            </a:r>
+            <a:r>
+              <a:rPr lang="en-CA" sz="2800" b="1" dirty="0"/>
+              <a:t>Windows</a:t>
+            </a:r>
+            <a:r>
+              <a:rPr lang="en-CA" sz="2800" dirty="0"/>
+              <a:t>): </a:t>
+            </a:r>
+          </a:p>
+          <a:p>
+            <a:endParaRPr lang="en-CA" sz="2800" dirty="0"/>
+          </a:p>
+          <a:p>
+            <a:r>
+              <a:rPr lang="en-CA" sz="2800" dirty="0"/>
+              <a:t>- </a:t>
+            </a:r>
+            <a:r>
+              <a:rPr lang="en-CA" sz="2800" b="1" dirty="0"/>
+              <a:t>MinGW Compiler for C++: </a:t>
+            </a:r>
+            <a:r>
+              <a:rPr lang="en-CA" sz="2800" dirty="0">
+                <a:hlinkClick r:id="rId2"/>
+              </a:rPr>
+              <a:t>https://sourceforge.net/projects/mingw/</a:t>
+            </a:r>
+            <a:endParaRPr lang="en-CA" sz="2800" dirty="0"/>
+          </a:p>
+          <a:p>
+            <a:r>
+              <a:rPr lang="en-CA" sz="2800" dirty="0"/>
+              <a:t>- </a:t>
+            </a:r>
+            <a:r>
+              <a:rPr lang="en-CA" sz="2800" b="1" dirty="0"/>
+              <a:t>Eclipse IDE</a:t>
+            </a:r>
+            <a:r>
+              <a:rPr lang="en-CA" sz="2800" dirty="0"/>
+              <a:t>: </a:t>
+            </a:r>
+            <a:r>
+              <a:rPr lang="en-CA" sz="2800" dirty="0">
+                <a:hlinkClick r:id="rId3"/>
+              </a:rPr>
+              <a:t>https://www.eclipse.org/downloads/packages/release/2022-06/r/eclipse-ide-cc-developers</a:t>
+            </a:r>
+            <a:br>
+              <a:rPr lang="en-CA" sz="2800" dirty="0"/>
+            </a:br>
+            <a:br>
+              <a:rPr lang="en-CA" sz="2800" dirty="0"/>
+            </a:br>
+            <a:r>
+              <a:rPr lang="en-CA" sz="2800" dirty="0"/>
+              <a:t>Other options for </a:t>
+            </a:r>
+            <a:r>
+              <a:rPr lang="en-CA" sz="2800" b="1" dirty="0"/>
+              <a:t>Windows</a:t>
+            </a:r>
+            <a:r>
+              <a:rPr lang="en-CA" sz="2800" dirty="0"/>
+              <a:t> include </a:t>
+            </a:r>
+            <a:r>
+              <a:rPr lang="en-CA" sz="2800" b="1" dirty="0"/>
+              <a:t>Visual Studio </a:t>
+            </a:r>
+            <a:r>
+              <a:rPr lang="en-CA" sz="2800" dirty="0"/>
+              <a:t>and </a:t>
+            </a:r>
+            <a:r>
+              <a:rPr lang="en-CA" sz="2800" b="1" dirty="0" err="1"/>
+              <a:t>CLion</a:t>
+            </a:r>
+            <a:r>
+              <a:rPr lang="en-CA" sz="2800" dirty="0"/>
+              <a:t>.</a:t>
+            </a:r>
+            <a:br>
+              <a:rPr lang="en-CA" sz="2800" dirty="0"/>
+            </a:br>
+            <a:r>
+              <a:rPr lang="en-CA" sz="2800" b="1" dirty="0"/>
+              <a:t>MacOS</a:t>
+            </a:r>
+            <a:r>
+              <a:rPr lang="en-CA" sz="2800" dirty="0"/>
+              <a:t> options include </a:t>
+            </a:r>
+            <a:r>
+              <a:rPr lang="en-CA" sz="2800" b="1" dirty="0" err="1"/>
+              <a:t>XCode</a:t>
+            </a:r>
+            <a:r>
+              <a:rPr lang="en-CA" sz="2800" dirty="0"/>
+              <a:t> and </a:t>
+            </a:r>
+            <a:r>
+              <a:rPr lang="en-CA" sz="2800" b="1" dirty="0" err="1"/>
+              <a:t>CLion</a:t>
+            </a:r>
+            <a:r>
+              <a:rPr lang="en-CA" sz="2800" dirty="0"/>
+              <a:t>.</a:t>
+            </a:r>
+          </a:p>
+          <a:p>
+            <a:endParaRPr lang="en-CA" sz="2800" dirty="0"/>
+          </a:p>
+          <a:p>
+            <a:r>
+              <a:rPr lang="en-CA" sz="2800" dirty="0"/>
+              <a:t>A series of installation guides will be made available on Moodle for IDE and compiler setup later today.</a:t>
+            </a:r>
+          </a:p>
+        </p:txBody>
+      </p:sp>
     </p:spTree>
     <p:extLst>
       <p:ext uri="{BB962C8B-B14F-4D97-AF65-F5344CB8AC3E}">
-        <p14:creationId xmlns:p14="http://schemas.microsoft.com/office/powerpoint/2010/main" val="3596543709"/>
+        <p14:creationId xmlns:p14="http://schemas.microsoft.com/office/powerpoint/2010/main" val="4188310264"/>
       </p:ext>
     </p:extLst>
   </p:cSld>
@@ -15216,7 +15439,7 @@
             <a:spLocks noGrp="1"/>
           </p:cNvSpPr>
           <p:nvPr>
-            <p:ph type="title"/>
+            <p:ph type="ctrTitle"/>
           </p:nvPr>
         </p:nvSpPr>
         <p:spPr/>
@@ -15232,7 +15455,7 @@
                 <a:latin typeface="Cambria" panose="02040503050406030204" pitchFamily="18" charset="0"/>
                 <a:ea typeface="Cambria" panose="02040503050406030204" pitchFamily="18" charset="0"/>
               </a:rPr>
-              <a:t>C++ Environment</a:t>
+              <a:t>REVIEW</a:t>
             </a:r>
           </a:p>
         </p:txBody>
@@ -15250,72 +15473,124 @@
             <a:spLocks noGrp="1"/>
           </p:cNvSpPr>
           <p:nvPr>
-            <p:ph idx="1"/>
+            <p:ph type="subTitle" idx="1"/>
           </p:nvPr>
         </p:nvSpPr>
-        <p:spPr>
-          <a:xfrm>
-            <a:off x="1295555" y="1246048"/>
-            <a:ext cx="9600889" cy="4850372"/>
-          </a:xfrm>
-        </p:spPr>
+        <p:spPr/>
         <p:txBody>
           <a:bodyPr>
             <a:normAutofit/>
           </a:bodyPr>
           <a:lstStyle/>
           <a:p>
-            <a:pPr marL="0" indent="0">
-              <a:buNone/>
-            </a:pPr>
-            <a:r>
-              <a:rPr lang="en-CA" b="1" dirty="0"/>
-              <a:t>Using IDE vs Text Editor &amp; Compiler Combination</a:t>
-            </a:r>
-          </a:p>
-          <a:p>
-            <a:pPr>
+            <a:pPr marL="342900" indent="-342900">
               <a:lnSpc>
                 <a:spcPct val="150000"/>
               </a:lnSpc>
+              <a:buFont typeface="Arial" panose="020B0604020202020204" pitchFamily="34" charset="0"/>
+              <a:buChar char="•"/>
             </a:pPr>
             <a:r>
               <a:rPr lang="en-CA" dirty="0"/>
-              <a:t>What is an IDE?</a:t>
-            </a:r>
-          </a:p>
-          <a:p>
-            <a:pPr>
+              <a:t>SETTING UP C++ ENVIRONMENT &amp; C++ SYNTAX</a:t>
+            </a:r>
+          </a:p>
+          <a:p>
+            <a:pPr marL="342900" indent="-342900">
               <a:lnSpc>
                 <a:spcPct val="150000"/>
               </a:lnSpc>
+              <a:buFont typeface="Arial" panose="020B0604020202020204" pitchFamily="34" charset="0"/>
+              <a:buChar char="•"/>
             </a:pPr>
             <a:r>
               <a:rPr lang="en-CA" dirty="0"/>
-              <a:t>What is a Text Editor? </a:t>
-            </a:r>
-          </a:p>
-          <a:p>
-            <a:pPr>
+              <a:t>VARIABLES, DATA TYPES, OPERATORS, EXPRESSIONS, LOOPS, &amp; CONDITIONALS</a:t>
+            </a:r>
+          </a:p>
+          <a:p>
+            <a:pPr marL="342900" indent="-342900">
               <a:lnSpc>
                 <a:spcPct val="150000"/>
               </a:lnSpc>
+              <a:buFont typeface="Arial" panose="020B0604020202020204" pitchFamily="34" charset="0"/>
+              <a:buChar char="•"/>
             </a:pPr>
             <a:r>
               <a:rPr lang="en-CA" dirty="0"/>
-              <a:t>What is a Compiler?</a:t>
-            </a:r>
-          </a:p>
-          <a:p>
-            <a:pPr>
+              <a:t>INPUT &amp; OUTPUT USAGE </a:t>
+            </a:r>
+          </a:p>
+          <a:p>
+            <a:pPr marL="342900" indent="-342900">
               <a:lnSpc>
                 <a:spcPct val="150000"/>
               </a:lnSpc>
+              <a:buFont typeface="Arial" panose="020B0604020202020204" pitchFamily="34" charset="0"/>
+              <a:buChar char="•"/>
             </a:pPr>
             <a:r>
               <a:rPr lang="en-CA" dirty="0"/>
-              <a:t>Which one is BETTER?</a:t>
-            </a:r>
+              <a:t>ARRAYS &amp; THE STRING LIBRARY</a:t>
+            </a:r>
+          </a:p>
+          <a:p>
+            <a:pPr marL="342900" indent="-342900">
+              <a:lnSpc>
+                <a:spcPct val="150000"/>
+              </a:lnSpc>
+              <a:buFont typeface="Arial" panose="020B0604020202020204" pitchFamily="34" charset="0"/>
+              <a:buChar char="•"/>
+            </a:pPr>
+            <a:r>
+              <a:rPr lang="en-CA" dirty="0"/>
+              <a:t>C++ FUNCTIONS</a:t>
+            </a:r>
+          </a:p>
+          <a:p>
+            <a:pPr marL="342900" indent="-342900">
+              <a:lnSpc>
+                <a:spcPct val="150000"/>
+              </a:lnSpc>
+              <a:buFont typeface="Arial" panose="020B0604020202020204" pitchFamily="34" charset="0"/>
+              <a:buChar char="•"/>
+            </a:pPr>
+            <a:r>
+              <a:rPr lang="en-CA" dirty="0"/>
+              <a:t>OBJECT-ORIENTED PROGRAMMING</a:t>
+            </a:r>
+          </a:p>
+          <a:p>
+            <a:pPr marL="342900" indent="-342900">
+              <a:lnSpc>
+                <a:spcPct val="150000"/>
+              </a:lnSpc>
+              <a:buFont typeface="Arial" panose="020B0604020202020204" pitchFamily="34" charset="0"/>
+              <a:buChar char="•"/>
+            </a:pPr>
+            <a:r>
+              <a:rPr lang="en-CA" dirty="0"/>
+              <a:t>DYNAMIC MEMORY &amp; POINTERS</a:t>
+            </a:r>
+          </a:p>
+          <a:p>
+            <a:pPr marL="342900" indent="-342900">
+              <a:lnSpc>
+                <a:spcPct val="150000"/>
+              </a:lnSpc>
+              <a:buFont typeface="Arial" panose="020B0604020202020204" pitchFamily="34" charset="0"/>
+              <a:buChar char="•"/>
+            </a:pPr>
+            <a:r>
+              <a:rPr lang="en-CA" dirty="0"/>
+              <a:t>EXCEPTION HANDLING</a:t>
+            </a:r>
+          </a:p>
+          <a:p>
+            <a:endParaRPr lang="en-CA" dirty="0"/>
+          </a:p>
+          <a:p>
+            <a:endParaRPr lang="en-CA" dirty="0"/>
           </a:p>
         </p:txBody>
       </p:sp>
@@ -15324,7 +15599,7 @@
           <p:cNvPr id="4" name="Slide Number Placeholder 3">
             <a:extLst>
               <a:ext uri="{FF2B5EF4-FFF2-40B4-BE49-F238E27FC236}">
-                <a16:creationId xmlns:a16="http://schemas.microsoft.com/office/drawing/2014/main" id="{04F692A4-EA17-4E34-1E98-086546E8FD92}"/>
+                <a16:creationId xmlns:a16="http://schemas.microsoft.com/office/drawing/2014/main" id="{7D81F86D-54E4-DB92-7681-A26EE738F2EB}"/>
               </a:ext>
             </a:extLst>
           </p:cNvPr>
@@ -15352,7 +15627,7 @@
     </p:spTree>
     <p:extLst>
       <p:ext uri="{BB962C8B-B14F-4D97-AF65-F5344CB8AC3E}">
-        <p14:creationId xmlns:p14="http://schemas.microsoft.com/office/powerpoint/2010/main" val="3613283572"/>
+        <p14:creationId xmlns:p14="http://schemas.microsoft.com/office/powerpoint/2010/main" val="3596543709"/>
       </p:ext>
     </p:extLst>
   </p:cSld>
@@ -15392,7 +15667,7 @@
             <a:spLocks noGrp="1"/>
           </p:cNvSpPr>
           <p:nvPr>
-            <p:ph type="ctrTitle"/>
+            <p:ph type="title"/>
           </p:nvPr>
         </p:nvSpPr>
         <p:spPr/>
@@ -15408,17 +15683,17 @@
                 <a:latin typeface="Cambria" panose="02040503050406030204" pitchFamily="18" charset="0"/>
                 <a:ea typeface="Cambria" panose="02040503050406030204" pitchFamily="18" charset="0"/>
               </a:rPr>
-              <a:t>C++ Syntax</a:t>
+              <a:t>C++ Environment</a:t>
             </a:r>
           </a:p>
         </p:txBody>
       </p:sp>
       <p:sp>
         <p:nvSpPr>
-          <p:cNvPr id="7" name="Subtitle 6">
+          <p:cNvPr id="3" name="Content Placeholder 2">
             <a:extLst>
               <a:ext uri="{FF2B5EF4-FFF2-40B4-BE49-F238E27FC236}">
-                <a16:creationId xmlns:a16="http://schemas.microsoft.com/office/drawing/2014/main" id="{EFB80ECB-33F9-ADD8-851B-BC950B1A2C3E}"/>
+                <a16:creationId xmlns:a16="http://schemas.microsoft.com/office/drawing/2014/main" id="{B39527D7-E1E3-2A65-95D5-80844C73385F}"/>
               </a:ext>
             </a:extLst>
           </p:cNvPr>
@@ -15426,141 +15701,81 @@
             <a:spLocks noGrp="1"/>
           </p:cNvSpPr>
           <p:nvPr>
-            <p:ph type="subTitle" idx="1"/>
+            <p:ph idx="1"/>
           </p:nvPr>
         </p:nvSpPr>
-        <p:spPr/>
+        <p:spPr>
+          <a:xfrm>
+            <a:off x="1295555" y="1246048"/>
+            <a:ext cx="9600889" cy="4850372"/>
+          </a:xfrm>
+        </p:spPr>
         <p:txBody>
-          <a:bodyPr/>
+          <a:bodyPr>
+            <a:normAutofit/>
+          </a:bodyPr>
           <a:lstStyle/>
           <a:p>
-            <a:pPr marL="342900" indent="-342900">
+            <a:pPr marL="0" indent="0">
+              <a:buNone/>
+            </a:pPr>
+            <a:r>
+              <a:rPr lang="en-CA" b="1" dirty="0"/>
+              <a:t>Using IDE vs Text Editor &amp; Compiler Combination</a:t>
+            </a:r>
+          </a:p>
+          <a:p>
+            <a:pPr>
               <a:lnSpc>
                 <a:spcPct val="150000"/>
               </a:lnSpc>
-              <a:buFont typeface="Arial" panose="020B0604020202020204" pitchFamily="34" charset="0"/>
-              <a:buChar char="•"/>
             </a:pPr>
             <a:r>
-              <a:rPr lang="en-US" dirty="0"/>
-              <a:t>What are variables?</a:t>
-            </a:r>
-          </a:p>
-          <a:p>
-            <a:pPr marL="342900" indent="-342900">
+              <a:rPr lang="en-CA" dirty="0"/>
+              <a:t>What is an IDE?</a:t>
+            </a:r>
+          </a:p>
+          <a:p>
+            <a:pPr>
               <a:lnSpc>
                 <a:spcPct val="150000"/>
               </a:lnSpc>
-              <a:buFont typeface="Arial" panose="020B0604020202020204" pitchFamily="34" charset="0"/>
-              <a:buChar char="•"/>
             </a:pPr>
             <a:r>
-              <a:rPr lang="en-US" dirty="0"/>
-              <a:t>What are some common categories of operators?</a:t>
-            </a:r>
-          </a:p>
-          <a:p>
-            <a:pPr marL="342900" indent="-342900">
+              <a:rPr lang="en-CA" dirty="0"/>
+              <a:t>What is a Text Editor? </a:t>
+            </a:r>
+          </a:p>
+          <a:p>
+            <a:pPr>
               <a:lnSpc>
                 <a:spcPct val="150000"/>
               </a:lnSpc>
-              <a:buFont typeface="Arial" panose="020B0604020202020204" pitchFamily="34" charset="0"/>
-              <a:buChar char="•"/>
             </a:pPr>
             <a:r>
-              <a:rPr lang="en-US" dirty="0"/>
-              <a:t>Difference between operators and expressions?</a:t>
-            </a:r>
-          </a:p>
-          <a:p>
-            <a:pPr marL="342900" indent="-342900">
+              <a:rPr lang="en-CA" dirty="0"/>
+              <a:t>What is a Compiler?</a:t>
+            </a:r>
+          </a:p>
+          <a:p>
+            <a:pPr>
               <a:lnSpc>
                 <a:spcPct val="150000"/>
               </a:lnSpc>
-              <a:buFont typeface="Arial" panose="020B0604020202020204" pitchFamily="34" charset="0"/>
-              <a:buChar char="•"/>
             </a:pPr>
             <a:r>
-              <a:rPr lang="en-US" dirty="0"/>
-              <a:t>What are conditional statements?</a:t>
-            </a:r>
-          </a:p>
-          <a:p>
-            <a:pPr marL="342900" indent="-342900">
-              <a:lnSpc>
-                <a:spcPct val="150000"/>
-              </a:lnSpc>
-              <a:buFont typeface="Arial" panose="020B0604020202020204" pitchFamily="34" charset="0"/>
-              <a:buChar char="•"/>
-            </a:pPr>
-            <a:r>
-              <a:rPr lang="en-US" dirty="0"/>
-              <a:t>What is a difference between ‘if statements’ and ‘switch block’?</a:t>
-            </a:r>
-          </a:p>
-          <a:p>
-            <a:pPr marL="342900" indent="-342900">
-              <a:lnSpc>
-                <a:spcPct val="150000"/>
-              </a:lnSpc>
-              <a:buFont typeface="Arial" panose="020B0604020202020204" pitchFamily="34" charset="0"/>
-              <a:buChar char="•"/>
-            </a:pPr>
-            <a:r>
-              <a:rPr lang="en-US" dirty="0"/>
-              <a:t>Why loops?</a:t>
-            </a:r>
-          </a:p>
-          <a:p>
-            <a:pPr marL="342900" indent="-342900">
-              <a:lnSpc>
-                <a:spcPct val="150000"/>
-              </a:lnSpc>
-              <a:buFont typeface="Arial" panose="020B0604020202020204" pitchFamily="34" charset="0"/>
-              <a:buChar char="•"/>
-            </a:pPr>
-            <a:r>
-              <a:rPr lang="en-US" dirty="0"/>
-              <a:t>For loops vs While loops</a:t>
-            </a:r>
-          </a:p>
-          <a:p>
-            <a:pPr marL="342900" indent="-342900">
-              <a:lnSpc>
-                <a:spcPct val="150000"/>
-              </a:lnSpc>
-              <a:buFont typeface="Arial" panose="020B0604020202020204" pitchFamily="34" charset="0"/>
-              <a:buChar char="•"/>
-            </a:pPr>
-            <a:r>
-              <a:rPr lang="en-US" dirty="0"/>
-              <a:t>While loops vs If statements</a:t>
-            </a:r>
-          </a:p>
-          <a:p>
-            <a:pPr marL="342900" indent="-342900">
-              <a:lnSpc>
-                <a:spcPct val="150000"/>
-              </a:lnSpc>
-              <a:buFont typeface="Arial" panose="020B0604020202020204" pitchFamily="34" charset="0"/>
-              <a:buChar char="•"/>
-            </a:pPr>
-            <a:r>
-              <a:rPr lang="en-US" dirty="0"/>
-              <a:t>When to use ‘continue’ and ‘break’ keywords?</a:t>
-            </a:r>
-          </a:p>
-          <a:p>
-            <a:endParaRPr lang="en-CA" dirty="0"/>
+              <a:rPr lang="en-CA" dirty="0"/>
+              <a:t>Which one is BETTER?</a:t>
+            </a:r>
           </a:p>
         </p:txBody>
       </p:sp>
       <p:sp>
         <p:nvSpPr>
-          <p:cNvPr id="3" name="Slide Number Placeholder 2">
+          <p:cNvPr id="4" name="Slide Number Placeholder 3">
             <a:extLst>
               <a:ext uri="{FF2B5EF4-FFF2-40B4-BE49-F238E27FC236}">
-                <a16:creationId xmlns:a16="http://schemas.microsoft.com/office/drawing/2014/main" id="{2F369591-56A6-FC75-8883-9CE85D3864F1}"/>
+                <a16:creationId xmlns:a16="http://schemas.microsoft.com/office/drawing/2014/main" id="{04F692A4-EA17-4E34-1E98-086546E8FD92}"/>
               </a:ext>
             </a:extLst>
           </p:cNvPr>
@@ -15576,18 +15791,19 @@
           <a:bodyPr/>
           <a:lstStyle/>
           <a:p>
-            <a:fld id="{6D22F896-40B5-4ADD-8801-0D06FADFA095}" type="slidenum">
-              <a:rPr lang="en-US" smtClean="0"/>
+            <a:fld id="{25780E96-B753-433C-8BC8-1FE1598BF6F6}" type="slidenum">
+              <a:rPr lang="en-CA" smtClean="0"/>
+              <a:pPr/>
               <a:t>6</a:t>
             </a:fld>
-            <a:endParaRPr lang="en-US" dirty="0"/>
+            <a:endParaRPr lang="en-CA"/>
           </a:p>
         </p:txBody>
       </p:sp>
     </p:spTree>
     <p:extLst>
       <p:ext uri="{BB962C8B-B14F-4D97-AF65-F5344CB8AC3E}">
-        <p14:creationId xmlns:p14="http://schemas.microsoft.com/office/powerpoint/2010/main" val="1713829668"/>
+        <p14:creationId xmlns:p14="http://schemas.microsoft.com/office/powerpoint/2010/main" val="3613283572"/>
       </p:ext>
     </p:extLst>
   </p:cSld>
@@ -15643,17 +15859,17 @@
                 <a:latin typeface="Cambria" panose="02040503050406030204" pitchFamily="18" charset="0"/>
                 <a:ea typeface="Cambria" panose="02040503050406030204" pitchFamily="18" charset="0"/>
               </a:rPr>
-              <a:t>Data-types</a:t>
+              <a:t>C++ Syntax</a:t>
             </a:r>
           </a:p>
         </p:txBody>
       </p:sp>
       <p:sp>
         <p:nvSpPr>
-          <p:cNvPr id="4" name="Subtitle 3">
+          <p:cNvPr id="7" name="Subtitle 6">
             <a:extLst>
               <a:ext uri="{FF2B5EF4-FFF2-40B4-BE49-F238E27FC236}">
-                <a16:creationId xmlns:a16="http://schemas.microsoft.com/office/drawing/2014/main" id="{A73E9BF0-4B31-48E1-FB9F-DA695B9CD036}"/>
+                <a16:creationId xmlns:a16="http://schemas.microsoft.com/office/drawing/2014/main" id="{EFB80ECB-33F9-ADD8-851B-BC950B1A2C3E}"/>
               </a:ext>
             </a:extLst>
           </p:cNvPr>
@@ -15677,8 +15893,8 @@
               <a:buChar char="•"/>
             </a:pPr>
             <a:r>
-              <a:rPr lang="en-US" sz="2400" dirty="0"/>
-              <a:t>Types of data, their sizes, and use-cases</a:t>
+              <a:rPr lang="en-US" dirty="0"/>
+              <a:t>What are variables?</a:t>
             </a:r>
           </a:p>
           <a:p>
@@ -15690,8 +15906,8 @@
               <a:buChar char="•"/>
             </a:pPr>
             <a:r>
-              <a:rPr lang="en-US" sz="2400" dirty="0"/>
-              <a:t>How to adjust the size of a datatype?</a:t>
+              <a:rPr lang="en-US" dirty="0"/>
+              <a:t>What are some common categories of operators?</a:t>
             </a:r>
           </a:p>
           <a:p>
@@ -15703,8 +15919,8 @@
               <a:buChar char="•"/>
             </a:pPr>
             <a:r>
-              <a:rPr lang="en-US" sz="2400" dirty="0"/>
-              <a:t>The keyword ‘long’ cannot be used with ……..</a:t>
+              <a:rPr lang="en-US" dirty="0"/>
+              <a:t>Difference between operators and expressions?</a:t>
             </a:r>
           </a:p>
           <a:p>
@@ -15716,8 +15932,8 @@
               <a:buChar char="•"/>
             </a:pPr>
             <a:r>
-              <a:rPr lang="en-US" sz="2400" dirty="0"/>
-              <a:t>Declaring vs Initialization</a:t>
+              <a:rPr lang="en-US" dirty="0"/>
+              <a:t>What are conditional statements?</a:t>
             </a:r>
           </a:p>
           <a:p>
@@ -15729,8 +15945,8 @@
               <a:buChar char="•"/>
             </a:pPr>
             <a:r>
-              <a:rPr lang="en-US" sz="2400" dirty="0"/>
-              <a:t>Two ways of initializing char datatype (ASCII)</a:t>
+              <a:rPr lang="en-US" dirty="0"/>
+              <a:t>What is a difference between ‘if statements’ and ‘switch block’?</a:t>
             </a:r>
           </a:p>
           <a:p>
@@ -15742,12 +15958,51 @@
               <a:buChar char="•"/>
             </a:pPr>
             <a:r>
-              <a:rPr lang="en-US" sz="2400" dirty="0"/>
-              <a:t>What is ‘void’?</a:t>
-            </a:r>
-          </a:p>
-          <a:p>
-            <a:endParaRPr lang="en-CA" sz="2400" dirty="0"/>
+              <a:rPr lang="en-US" dirty="0"/>
+              <a:t>Why loops?</a:t>
+            </a:r>
+          </a:p>
+          <a:p>
+            <a:pPr marL="342900" indent="-342900">
+              <a:lnSpc>
+                <a:spcPct val="150000"/>
+              </a:lnSpc>
+              <a:buFont typeface="Arial" panose="020B0604020202020204" pitchFamily="34" charset="0"/>
+              <a:buChar char="•"/>
+            </a:pPr>
+            <a:r>
+              <a:rPr lang="en-US" dirty="0"/>
+              <a:t>For loops vs While loops</a:t>
+            </a:r>
+          </a:p>
+          <a:p>
+            <a:pPr marL="342900" indent="-342900">
+              <a:lnSpc>
+                <a:spcPct val="150000"/>
+              </a:lnSpc>
+              <a:buFont typeface="Arial" panose="020B0604020202020204" pitchFamily="34" charset="0"/>
+              <a:buChar char="•"/>
+            </a:pPr>
+            <a:r>
+              <a:rPr lang="en-US" dirty="0"/>
+              <a:t>While loops vs If statements</a:t>
+            </a:r>
+          </a:p>
+          <a:p>
+            <a:pPr marL="342900" indent="-342900">
+              <a:lnSpc>
+                <a:spcPct val="150000"/>
+              </a:lnSpc>
+              <a:buFont typeface="Arial" panose="020B0604020202020204" pitchFamily="34" charset="0"/>
+              <a:buChar char="•"/>
+            </a:pPr>
+            <a:r>
+              <a:rPr lang="en-US" dirty="0"/>
+              <a:t>When to use ‘continue’ and ‘break’ keywords?</a:t>
+            </a:r>
+          </a:p>
+          <a:p>
+            <a:endParaRPr lang="en-CA" dirty="0"/>
           </a:p>
         </p:txBody>
       </p:sp>
@@ -15756,7 +16011,7 @@
           <p:cNvPr id="3" name="Slide Number Placeholder 2">
             <a:extLst>
               <a:ext uri="{FF2B5EF4-FFF2-40B4-BE49-F238E27FC236}">
-                <a16:creationId xmlns:a16="http://schemas.microsoft.com/office/drawing/2014/main" id="{8633CDB7-4879-1490-9345-56F80019F06D}"/>
+                <a16:creationId xmlns:a16="http://schemas.microsoft.com/office/drawing/2014/main" id="{2F369591-56A6-FC75-8883-9CE85D3864F1}"/>
               </a:ext>
             </a:extLst>
           </p:cNvPr>
@@ -15783,7 +16038,7 @@
     </p:spTree>
     <p:extLst>
       <p:ext uri="{BB962C8B-B14F-4D97-AF65-F5344CB8AC3E}">
-        <p14:creationId xmlns:p14="http://schemas.microsoft.com/office/powerpoint/2010/main" val="1627571013"/>
+        <p14:creationId xmlns:p14="http://schemas.microsoft.com/office/powerpoint/2010/main" val="1713829668"/>
       </p:ext>
     </p:extLst>
   </p:cSld>
@@ -15839,17 +16094,17 @@
                 <a:latin typeface="Cambria" panose="02040503050406030204" pitchFamily="18" charset="0"/>
                 <a:ea typeface="Cambria" panose="02040503050406030204" pitchFamily="18" charset="0"/>
               </a:rPr>
-              <a:t>Input-Output</a:t>
+              <a:t>Data-types</a:t>
             </a:r>
           </a:p>
         </p:txBody>
       </p:sp>
       <p:sp>
         <p:nvSpPr>
-          <p:cNvPr id="5" name="Subtitle 4">
+          <p:cNvPr id="4" name="Subtitle 3">
             <a:extLst>
               <a:ext uri="{FF2B5EF4-FFF2-40B4-BE49-F238E27FC236}">
-                <a16:creationId xmlns:a16="http://schemas.microsoft.com/office/drawing/2014/main" id="{ECA6D33B-46B1-9A04-131C-0C49A586CCBC}"/>
+                <a16:creationId xmlns:a16="http://schemas.microsoft.com/office/drawing/2014/main" id="{A73E9BF0-4B31-48E1-FB9F-DA695B9CD036}"/>
               </a:ext>
             </a:extLst>
           </p:cNvPr>
@@ -15874,7 +16129,7 @@
             </a:pPr>
             <a:r>
               <a:rPr lang="en-US" sz="2400" dirty="0"/>
-              <a:t>Why do we need I/O?</a:t>
+              <a:t>Types of data, their sizes, and use-cases</a:t>
             </a:r>
           </a:p>
           <a:p>
@@ -15887,7 +16142,7 @@
             </a:pPr>
             <a:r>
               <a:rPr lang="en-US" sz="2400" dirty="0"/>
-              <a:t>What are some popular C++ I/O libraries?</a:t>
+              <a:t>How to adjust the size of a datatype?</a:t>
             </a:r>
           </a:p>
           <a:p>
@@ -15900,7 +16155,7 @@
             </a:pPr>
             <a:r>
               <a:rPr lang="en-US" sz="2400" dirty="0"/>
-              <a:t>What are the major keywords in using C++ I/O &amp; Streams?</a:t>
+              <a:t>The keyword ‘long’ cannot be used with ……..</a:t>
             </a:r>
           </a:p>
           <a:p>
@@ -15913,7 +16168,7 @@
             </a:pPr>
             <a:r>
               <a:rPr lang="en-US" sz="2400" dirty="0"/>
-              <a:t>Common mistakes in outputting?</a:t>
+              <a:t>Declaring vs Initialization</a:t>
             </a:r>
           </a:p>
           <a:p>
@@ -15926,7 +16181,7 @@
             </a:pPr>
             <a:r>
               <a:rPr lang="en-US" sz="2400" dirty="0"/>
-              <a:t>Common mistakes in inputting?</a:t>
+              <a:t>Two ways of initializing char datatype (ASCII)</a:t>
             </a:r>
           </a:p>
           <a:p>
@@ -15939,43 +16194,20 @@
             </a:pPr>
             <a:r>
               <a:rPr lang="en-US" sz="2400" dirty="0"/>
-              <a:t>How to read from and write to the command line?</a:t>
-            </a:r>
-          </a:p>
-          <a:p>
-            <a:pPr marL="342900" indent="-342900">
-              <a:lnSpc>
-                <a:spcPct val="150000"/>
-              </a:lnSpc>
-              <a:buFont typeface="Arial" panose="020B0604020202020204" pitchFamily="34" charset="0"/>
-              <a:buChar char="•"/>
-            </a:pPr>
-            <a:r>
-              <a:rPr lang="en-US" sz="2400" dirty="0"/>
-              <a:t>How to read/write a file?</a:t>
-            </a:r>
-          </a:p>
-          <a:p>
-            <a:pPr marL="342900" indent="-342900">
-              <a:lnSpc>
-                <a:spcPct val="150000"/>
-              </a:lnSpc>
-              <a:buFont typeface="Arial" panose="020B0604020202020204" pitchFamily="34" charset="0"/>
-              <a:buChar char="•"/>
-            </a:pPr>
-            <a:r>
-              <a:rPr lang="en-US" sz="2400" dirty="0"/>
-              <a:t>What should be checked before reading from a file?</a:t>
-            </a:r>
+              <a:t>What is ‘void’?</a:t>
+            </a:r>
+          </a:p>
+          <a:p>
+            <a:endParaRPr lang="en-CA" sz="2400" dirty="0"/>
           </a:p>
         </p:txBody>
       </p:sp>
       <p:sp>
         <p:nvSpPr>
-          <p:cNvPr id="4" name="Slide Number Placeholder 3">
+          <p:cNvPr id="3" name="Slide Number Placeholder 2">
             <a:extLst>
               <a:ext uri="{FF2B5EF4-FFF2-40B4-BE49-F238E27FC236}">
-                <a16:creationId xmlns:a16="http://schemas.microsoft.com/office/drawing/2014/main" id="{C5B1AEDF-B070-03E8-218A-F45FAEAF58CA}"/>
+                <a16:creationId xmlns:a16="http://schemas.microsoft.com/office/drawing/2014/main" id="{8633CDB7-4879-1490-9345-56F80019F06D}"/>
               </a:ext>
             </a:extLst>
           </p:cNvPr>
@@ -16002,7 +16234,7 @@
     </p:spTree>
     <p:extLst>
       <p:ext uri="{BB962C8B-B14F-4D97-AF65-F5344CB8AC3E}">
-        <p14:creationId xmlns:p14="http://schemas.microsoft.com/office/powerpoint/2010/main" val="3875443709"/>
+        <p14:creationId xmlns:p14="http://schemas.microsoft.com/office/powerpoint/2010/main" val="1627571013"/>
       </p:ext>
     </p:extLst>
   </p:cSld>
@@ -16058,7 +16290,7 @@
                 <a:latin typeface="Cambria" panose="02040503050406030204" pitchFamily="18" charset="0"/>
                 <a:ea typeface="Cambria" panose="02040503050406030204" pitchFamily="18" charset="0"/>
               </a:rPr>
-              <a:t>Arrays &amp; Strings</a:t>
+              <a:t>Input-Output</a:t>
             </a:r>
           </a:p>
         </p:txBody>
@@ -16068,7 +16300,7 @@
           <p:cNvPr id="5" name="Subtitle 4">
             <a:extLst>
               <a:ext uri="{FF2B5EF4-FFF2-40B4-BE49-F238E27FC236}">
-                <a16:creationId xmlns:a16="http://schemas.microsoft.com/office/drawing/2014/main" id="{3F54A0E2-1D28-2764-4CDC-0D1170052AD8}"/>
+                <a16:creationId xmlns:a16="http://schemas.microsoft.com/office/drawing/2014/main" id="{ECA6D33B-46B1-9A04-131C-0C49A586CCBC}"/>
               </a:ext>
             </a:extLst>
           </p:cNvPr>
@@ -16093,7 +16325,7 @@
             </a:pPr>
             <a:r>
               <a:rPr lang="en-US" sz="2400" dirty="0"/>
-              <a:t>What are arrays and what do they represents?</a:t>
+              <a:t>Why do we need I/O?</a:t>
             </a:r>
           </a:p>
           <a:p>
@@ -16106,7 +16338,7 @@
             </a:pPr>
             <a:r>
               <a:rPr lang="en-US" sz="2400" dirty="0"/>
-              <a:t>Array declaration and initialization</a:t>
+              <a:t>What are some popular C++ I/O libraries?</a:t>
             </a:r>
           </a:p>
           <a:p>
@@ -16119,7 +16351,7 @@
             </a:pPr>
             <a:r>
               <a:rPr lang="en-US" sz="2400" dirty="0"/>
-              <a:t>How does an array look like?</a:t>
+              <a:t>What are the major keywords in using C++ I/O &amp; Streams?</a:t>
             </a:r>
           </a:p>
           <a:p>
@@ -16132,7 +16364,7 @@
             </a:pPr>
             <a:r>
               <a:rPr lang="en-US" sz="2400" dirty="0"/>
-              <a:t>INDEXING </a:t>
+              <a:t>Common mistakes in outputting?</a:t>
             </a:r>
           </a:p>
           <a:p>
@@ -16145,7 +16377,7 @@
             </a:pPr>
             <a:r>
               <a:rPr lang="en-US" sz="2400" dirty="0"/>
-              <a:t>Size vs length of an array</a:t>
+              <a:t>Common mistakes in inputting?</a:t>
             </a:r>
           </a:p>
           <a:p>
@@ -16158,7 +16390,7 @@
             </a:pPr>
             <a:r>
               <a:rPr lang="en-US" sz="2400" dirty="0"/>
-              <a:t>What is a string and how does it look like?</a:t>
+              <a:t>How to read from and write to the command line?</a:t>
             </a:r>
           </a:p>
           <a:p>
@@ -16171,7 +16403,7 @@
             </a:pPr>
             <a:r>
               <a:rPr lang="en-US" sz="2400" dirty="0"/>
-              <a:t>How to do trimming using strings?</a:t>
+              <a:t>How to read/write a file?</a:t>
             </a:r>
           </a:p>
           <a:p>
@@ -16184,18 +16416,8 @@
             </a:pPr>
             <a:r>
               <a:rPr lang="en-US" sz="2400" dirty="0"/>
-              <a:t>Multi-dimensional arrays?</a:t>
-            </a:r>
-          </a:p>
-          <a:p>
-            <a:pPr marL="342900" indent="-342900">
-              <a:lnSpc>
-                <a:spcPct val="150000"/>
-              </a:lnSpc>
-              <a:buFont typeface="Arial" panose="020B0604020202020204" pitchFamily="34" charset="0"/>
-              <a:buChar char="•"/>
-            </a:pPr>
-            <a:endParaRPr lang="en-CA" dirty="0"/>
+              <a:t>What should be checked before reading from a file?</a:t>
+            </a:r>
           </a:p>
         </p:txBody>
       </p:sp>
@@ -16204,7 +16426,7 @@
           <p:cNvPr id="4" name="Slide Number Placeholder 3">
             <a:extLst>
               <a:ext uri="{FF2B5EF4-FFF2-40B4-BE49-F238E27FC236}">
-                <a16:creationId xmlns:a16="http://schemas.microsoft.com/office/drawing/2014/main" id="{21A530ED-7F74-F03F-4356-BC60C6AEDE6D}"/>
+                <a16:creationId xmlns:a16="http://schemas.microsoft.com/office/drawing/2014/main" id="{C5B1AEDF-B070-03E8-218A-F45FAEAF58CA}"/>
               </a:ext>
             </a:extLst>
           </p:cNvPr>
@@ -16231,7 +16453,7 @@
     </p:spTree>
     <p:extLst>
       <p:ext uri="{BB962C8B-B14F-4D97-AF65-F5344CB8AC3E}">
-        <p14:creationId xmlns:p14="http://schemas.microsoft.com/office/powerpoint/2010/main" val="4279114738"/>
+        <p14:creationId xmlns:p14="http://schemas.microsoft.com/office/powerpoint/2010/main" val="3875443709"/>
       </p:ext>
     </p:extLst>
   </p:cSld>
